--- a/64. Arrays.pptx
+++ b/64. Arrays.pptx
@@ -6,11 +6,12 @@
   </p:sldMasterIdLst>
   <p:sldIdLst>
     <p:sldId id="256" r:id="rId2"/>
-    <p:sldId id="257" r:id="rId3"/>
-    <p:sldId id="258" r:id="rId4"/>
-    <p:sldId id="259" r:id="rId5"/>
-    <p:sldId id="260" r:id="rId6"/>
-    <p:sldId id="261" r:id="rId7"/>
+    <p:sldId id="262" r:id="rId3"/>
+    <p:sldId id="257" r:id="rId4"/>
+    <p:sldId id="258" r:id="rId5"/>
+    <p:sldId id="259" r:id="rId6"/>
+    <p:sldId id="260" r:id="rId7"/>
+    <p:sldId id="261" r:id="rId8"/>
   </p:sldIdLst>
   <p:sldSz cx="12192000" cy="6858000"/>
   <p:notesSz cx="6858000" cy="9144000"/>
@@ -246,7 +247,7 @@
           <a:p>
             <a:fld id="{229D024D-B626-4D55-84E9-9F34643D498C}" type="datetimeFigureOut">
               <a:rPr lang="en-US" smtClean="0"/>
-              <a:t>1/25/2019</a:t>
+              <a:t>1/26/2019</a:t>
             </a:fld>
             <a:endParaRPr lang="en-US"/>
           </a:p>
@@ -414,7 +415,7 @@
           <a:p>
             <a:fld id="{229D024D-B626-4D55-84E9-9F34643D498C}" type="datetimeFigureOut">
               <a:rPr lang="en-US" smtClean="0"/>
-              <a:t>1/25/2019</a:t>
+              <a:t>1/26/2019</a:t>
             </a:fld>
             <a:endParaRPr lang="en-US"/>
           </a:p>
@@ -592,7 +593,7 @@
           <a:p>
             <a:fld id="{229D024D-B626-4D55-84E9-9F34643D498C}" type="datetimeFigureOut">
               <a:rPr lang="en-US" smtClean="0"/>
-              <a:t>1/25/2019</a:t>
+              <a:t>1/26/2019</a:t>
             </a:fld>
             <a:endParaRPr lang="en-US"/>
           </a:p>
@@ -760,7 +761,7 @@
           <a:p>
             <a:fld id="{229D024D-B626-4D55-84E9-9F34643D498C}" type="datetimeFigureOut">
               <a:rPr lang="en-US" smtClean="0"/>
-              <a:t>1/25/2019</a:t>
+              <a:t>1/26/2019</a:t>
             </a:fld>
             <a:endParaRPr lang="en-US"/>
           </a:p>
@@ -1005,7 +1006,7 @@
           <a:p>
             <a:fld id="{229D024D-B626-4D55-84E9-9F34643D498C}" type="datetimeFigureOut">
               <a:rPr lang="en-US" smtClean="0"/>
-              <a:t>1/25/2019</a:t>
+              <a:t>1/26/2019</a:t>
             </a:fld>
             <a:endParaRPr lang="en-US"/>
           </a:p>
@@ -1234,7 +1235,7 @@
           <a:p>
             <a:fld id="{229D024D-B626-4D55-84E9-9F34643D498C}" type="datetimeFigureOut">
               <a:rPr lang="en-US" smtClean="0"/>
-              <a:t>1/25/2019</a:t>
+              <a:t>1/26/2019</a:t>
             </a:fld>
             <a:endParaRPr lang="en-US"/>
           </a:p>
@@ -1598,7 +1599,7 @@
           <a:p>
             <a:fld id="{229D024D-B626-4D55-84E9-9F34643D498C}" type="datetimeFigureOut">
               <a:rPr lang="en-US" smtClean="0"/>
-              <a:t>1/25/2019</a:t>
+              <a:t>1/26/2019</a:t>
             </a:fld>
             <a:endParaRPr lang="en-US"/>
           </a:p>
@@ -1715,7 +1716,7 @@
           <a:p>
             <a:fld id="{229D024D-B626-4D55-84E9-9F34643D498C}" type="datetimeFigureOut">
               <a:rPr lang="en-US" smtClean="0"/>
-              <a:t>1/25/2019</a:t>
+              <a:t>1/26/2019</a:t>
             </a:fld>
             <a:endParaRPr lang="en-US"/>
           </a:p>
@@ -1810,7 +1811,7 @@
           <a:p>
             <a:fld id="{229D024D-B626-4D55-84E9-9F34643D498C}" type="datetimeFigureOut">
               <a:rPr lang="en-US" smtClean="0"/>
-              <a:t>1/25/2019</a:t>
+              <a:t>1/26/2019</a:t>
             </a:fld>
             <a:endParaRPr lang="en-US"/>
           </a:p>
@@ -2085,7 +2086,7 @@
           <a:p>
             <a:fld id="{229D024D-B626-4D55-84E9-9F34643D498C}" type="datetimeFigureOut">
               <a:rPr lang="en-US" smtClean="0"/>
-              <a:t>1/25/2019</a:t>
+              <a:t>1/26/2019</a:t>
             </a:fld>
             <a:endParaRPr lang="en-US"/>
           </a:p>
@@ -2337,7 +2338,7 @@
           <a:p>
             <a:fld id="{229D024D-B626-4D55-84E9-9F34643D498C}" type="datetimeFigureOut">
               <a:rPr lang="en-US" smtClean="0"/>
-              <a:t>1/25/2019</a:t>
+              <a:t>1/26/2019</a:t>
             </a:fld>
             <a:endParaRPr lang="en-US"/>
           </a:p>
@@ -2548,7 +2549,7 @@
           <a:p>
             <a:fld id="{229D024D-B626-4D55-84E9-9F34643D498C}" type="datetimeFigureOut">
               <a:rPr lang="en-US" smtClean="0"/>
-              <a:t>1/25/2019</a:t>
+              <a:t>1/26/2019</a:t>
             </a:fld>
             <a:endParaRPr lang="en-US"/>
           </a:p>
@@ -3133,6 +3134,169 @@
       </p:grpSpPr>
       <p:sp>
         <p:nvSpPr>
+          <p:cNvPr id="2" name="Title 1">
+            <a:extLst>
+              <a:ext uri="{FF2B5EF4-FFF2-40B4-BE49-F238E27FC236}">
+                <a16:creationId xmlns:a16="http://schemas.microsoft.com/office/drawing/2014/main" id="{7E9FF302-A90C-442D-9E44-07B28C792425}"/>
+              </a:ext>
+            </a:extLst>
+          </p:cNvPr>
+          <p:cNvSpPr>
+            <a:spLocks noGrp="1"/>
+          </p:cNvSpPr>
+          <p:nvPr>
+            <p:ph type="title"/>
+          </p:nvPr>
+        </p:nvSpPr>
+        <p:spPr/>
+        <p:txBody>
+          <a:bodyPr/>
+          <a:lstStyle/>
+          <a:p>
+            <a:endParaRPr lang="en-US"/>
+          </a:p>
+        </p:txBody>
+      </p:sp>
+      <p:sp>
+        <p:nvSpPr>
+          <p:cNvPr id="3" name="Content Placeholder 2">
+            <a:extLst>
+              <a:ext uri="{FF2B5EF4-FFF2-40B4-BE49-F238E27FC236}">
+                <a16:creationId xmlns:a16="http://schemas.microsoft.com/office/drawing/2014/main" id="{3463FFFA-E79F-4898-8372-6C986056C5FA}"/>
+              </a:ext>
+            </a:extLst>
+          </p:cNvPr>
+          <p:cNvSpPr>
+            <a:spLocks noGrp="1"/>
+          </p:cNvSpPr>
+          <p:nvPr>
+            <p:ph idx="1"/>
+          </p:nvPr>
+        </p:nvSpPr>
+        <p:spPr/>
+        <p:txBody>
+          <a:bodyPr/>
+          <a:lstStyle/>
+          <a:p>
+            <a:endParaRPr lang="en-US"/>
+          </a:p>
+        </p:txBody>
+      </p:sp>
+      <p:pic>
+        <p:nvPicPr>
+          <p:cNvPr id="4" name="Picture 3">
+            <a:extLst>
+              <a:ext uri="{FF2B5EF4-FFF2-40B4-BE49-F238E27FC236}">
+                <a16:creationId xmlns:a16="http://schemas.microsoft.com/office/drawing/2014/main" id="{0A674FDA-4C98-4FB7-8941-3370DDE0D889}"/>
+              </a:ext>
+            </a:extLst>
+          </p:cNvPr>
+          <p:cNvPicPr>
+            <a:picLocks noChangeAspect="1"/>
+          </p:cNvPicPr>
+          <p:nvPr/>
+        </p:nvPicPr>
+        <p:blipFill>
+          <a:blip r:embed="rId2"/>
+          <a:stretch>
+            <a:fillRect/>
+          </a:stretch>
+        </p:blipFill>
+        <p:spPr>
+          <a:xfrm>
+            <a:off x="0" y="1673"/>
+            <a:ext cx="12192000" cy="6854653"/>
+          </a:xfrm>
+          <a:prstGeom prst="rect">
+            <a:avLst/>
+          </a:prstGeom>
+        </p:spPr>
+      </p:pic>
+      <p:sp>
+        <p:nvSpPr>
+          <p:cNvPr id="5" name="TextBox 4">
+            <a:extLst>
+              <a:ext uri="{FF2B5EF4-FFF2-40B4-BE49-F238E27FC236}">
+                <a16:creationId xmlns:a16="http://schemas.microsoft.com/office/drawing/2014/main" id="{C682146C-FBE2-4E5F-B5B7-680F95839393}"/>
+              </a:ext>
+            </a:extLst>
+          </p:cNvPr>
+          <p:cNvSpPr txBox="1"/>
+          <p:nvPr/>
+        </p:nvSpPr>
+        <p:spPr>
+          <a:xfrm>
+            <a:off x="1703205" y="1322360"/>
+            <a:ext cx="5256952" cy="646331"/>
+          </a:xfrm>
+          <a:prstGeom prst="rect">
+            <a:avLst/>
+          </a:prstGeom>
+          <a:noFill/>
+        </p:spPr>
+        <p:txBody>
+          <a:bodyPr wrap="none" rtlCol="0">
+            <a:spAutoFit/>
+          </a:bodyPr>
+          <a:lstStyle/>
+          <a:p>
+            <a:r>
+              <a:rPr lang="en-US" dirty="0">
+                <a:solidFill>
+                  <a:schemeClr val="bg1">
+                    <a:lumMod val="85000"/>
+                  </a:schemeClr>
+                </a:solidFill>
+              </a:rPr>
+              <a:t>If a list has 10 thousand or more and</a:t>
+            </a:r>
+          </a:p>
+          <a:p>
+            <a:r>
+              <a:rPr lang="en-US" dirty="0">
+                <a:solidFill>
+                  <a:schemeClr val="bg1">
+                    <a:lumMod val="85000"/>
+                  </a:schemeClr>
+                </a:solidFill>
+              </a:rPr>
+              <a:t>encounter performance problem you should use array</a:t>
+            </a:r>
+          </a:p>
+        </p:txBody>
+      </p:sp>
+    </p:spTree>
+    <p:extLst>
+      <p:ext uri="{BB962C8B-B14F-4D97-AF65-F5344CB8AC3E}">
+        <p14:creationId xmlns:p14="http://schemas.microsoft.com/office/powerpoint/2010/main" val="3470393417"/>
+      </p:ext>
+    </p:extLst>
+  </p:cSld>
+  <p:clrMapOvr>
+    <a:masterClrMapping/>
+  </p:clrMapOvr>
+</p:sld>
+</file>
+
+<file path=ppt/slides/slide3.xml><?xml version="1.0" encoding="utf-8"?>
+<p:sld xmlns:a="http://schemas.openxmlformats.org/drawingml/2006/main" xmlns:r="http://schemas.openxmlformats.org/officeDocument/2006/relationships" xmlns:p="http://schemas.openxmlformats.org/presentationml/2006/main">
+  <p:cSld>
+    <p:spTree>
+      <p:nvGrpSpPr>
+        <p:cNvPr id="1" name=""/>
+        <p:cNvGrpSpPr/>
+        <p:nvPr/>
+      </p:nvGrpSpPr>
+      <p:grpSpPr>
+        <a:xfrm>
+          <a:off x="0" y="0"/>
+          <a:ext cx="0" cy="0"/>
+          <a:chOff x="0" y="0"/>
+          <a:chExt cx="0" cy="0"/>
+        </a:xfrm>
+      </p:grpSpPr>
+      <p:sp>
+        <p:nvSpPr>
           <p:cNvPr id="2" name="Title 1"/>
           <p:cNvSpPr>
             <a:spLocks noGrp="1"/>
@@ -3212,7 +3376,7 @@
 </p:sld>
 </file>
 
-<file path=ppt/slides/slide3.xml><?xml version="1.0" encoding="utf-8"?>
+<file path=ppt/slides/slide4.xml><?xml version="1.0" encoding="utf-8"?>
 <p:sld xmlns:a="http://schemas.openxmlformats.org/drawingml/2006/main" xmlns:r="http://schemas.openxmlformats.org/officeDocument/2006/relationships" xmlns:p="http://schemas.openxmlformats.org/presentationml/2006/main">
   <p:cSld>
     <p:spTree>
@@ -3304,7 +3468,7 @@
 </p:sld>
 </file>
 
-<file path=ppt/slides/slide4.xml><?xml version="1.0" encoding="utf-8"?>
+<file path=ppt/slides/slide5.xml><?xml version="1.0" encoding="utf-8"?>
 <p:sld xmlns:a="http://schemas.openxmlformats.org/drawingml/2006/main" xmlns:r="http://schemas.openxmlformats.org/officeDocument/2006/relationships" xmlns:p="http://schemas.openxmlformats.org/presentationml/2006/main">
   <p:cSld>
     <p:spTree>
@@ -3420,7 +3584,7 @@
 </p:sld>
 </file>
 
-<file path=ppt/slides/slide5.xml><?xml version="1.0" encoding="utf-8"?>
+<file path=ppt/slides/slide6.xml><?xml version="1.0" encoding="utf-8"?>
 <p:sld xmlns:a="http://schemas.openxmlformats.org/drawingml/2006/main" xmlns:r="http://schemas.openxmlformats.org/officeDocument/2006/relationships" xmlns:p="http://schemas.openxmlformats.org/presentationml/2006/main">
   <p:cSld>
     <p:spTree>
@@ -3512,7 +3676,7 @@
 </p:sld>
 </file>
 
-<file path=ppt/slides/slide6.xml><?xml version="1.0" encoding="utf-8"?>
+<file path=ppt/slides/slide7.xml><?xml version="1.0" encoding="utf-8"?>
 <p:sld xmlns:a="http://schemas.openxmlformats.org/drawingml/2006/main" xmlns:r="http://schemas.openxmlformats.org/officeDocument/2006/relationships" xmlns:p="http://schemas.openxmlformats.org/presentationml/2006/main">
   <p:cSld>
     <p:spTree>
